--- a/GroupProject4/Presentation.pptx
+++ b/GroupProject4/Presentation.pptx
@@ -14601,16 +14601,16 @@
           <a:lstStyle/>
           <a:p>
             <a:r>
-              <a:rPr lang="en-US" sz="2000">
+              <a:rPr lang="en-US" sz="2000" dirty="0">
                 <a:solidFill>
                   <a:srgbClr val="000000"/>
                 </a:solidFill>
                 <a:latin typeface="Times New Roman"/>
                 <a:cs typeface="Times New Roman"/>
               </a:rPr>
-              <a:t>The employee tracker app kicks off with a screen displaying roles like software engineers or HR, each with its own image. Users can pick a role, leading them to a detailed page showing the current employee count and individual info. The app simplifies management by allowing users to easily add or remove employees in the selected role, making workforce tracking straightforward.</a:t>
+              <a:t>Added new Features to the Employee Tracker app that was created for project 3</a:t>
             </a:r>
-            <a:endParaRPr lang="en-US" sz="2000"/>
+            <a:endParaRPr lang="en-US" sz="2000" dirty="0"/>
           </a:p>
         </p:txBody>
       </p:sp>
@@ -16175,20 +16175,20 @@
 </file>
 
 <file path=customXml/item2.xml><?xml version="1.0" encoding="utf-8"?>
-<p:properties xmlns:p="http://schemas.microsoft.com/office/2006/metadata/properties" xmlns:xsi="http://www.w3.org/2001/XMLSchema-instance" xmlns:pc="http://schemas.microsoft.com/office/infopath/2007/PartnerControls">
-  <documentManagement>
-    <_activity xmlns="5852d601-1a7c-44b2-a899-4fb2f89ff1ad" xsi:nil="true"/>
-  </documentManagement>
-</p:properties>
-</file>
-
-<file path=customXml/item3.xml><?xml version="1.0" encoding="utf-8"?>
 <?mso-contentType ?>
 <FormTemplates xmlns="http://schemas.microsoft.com/sharepoint/v3/contenttype/forms">
   <Display>DocumentLibraryForm</Display>
   <Edit>DocumentLibraryForm</Edit>
   <New>DocumentLibraryForm</New>
 </FormTemplates>
+</file>
+
+<file path=customXml/item3.xml><?xml version="1.0" encoding="utf-8"?>
+<p:properties xmlns:p="http://schemas.microsoft.com/office/2006/metadata/properties" xmlns:xsi="http://www.w3.org/2001/XMLSchema-instance" xmlns:pc="http://schemas.microsoft.com/office/infopath/2007/PartnerControls">
+  <documentManagement>
+    <_activity xmlns="5852d601-1a7c-44b2-a899-4fb2f89ff1ad" xsi:nil="true"/>
+  </documentManagement>
+</p:properties>
 </file>
 
 <file path=customXml/itemProps1.xml><?xml version="1.0" encoding="utf-8"?>
@@ -16210,6 +16210,14 @@
 </file>
 
 <file path=customXml/itemProps2.xml><?xml version="1.0" encoding="utf-8"?>
+<ds:datastoreItem xmlns:ds="http://schemas.openxmlformats.org/officeDocument/2006/customXml" ds:itemID="{C7C85330-655E-45E2-80B9-95CC1B74472F}">
+  <ds:schemaRefs>
+    <ds:schemaRef ds:uri="http://schemas.microsoft.com/sharepoint/v3/contenttype/forms"/>
+  </ds:schemaRefs>
+</ds:datastoreItem>
+</file>
+
+<file path=customXml/itemProps3.xml><?xml version="1.0" encoding="utf-8"?>
 <ds:datastoreItem xmlns:ds="http://schemas.openxmlformats.org/officeDocument/2006/customXml" ds:itemID="{F97547CF-3F15-4A3E-879E-A47EDADA6DCC}">
   <ds:schemaRefs>
     <ds:schemaRef ds:uri="5852d601-1a7c-44b2-a899-4fb2f89ff1ad"/>
@@ -16225,14 +16233,6 @@
 </ds:datastoreItem>
 </file>
 
-<file path=customXml/itemProps3.xml><?xml version="1.0" encoding="utf-8"?>
-<ds:datastoreItem xmlns:ds="http://schemas.openxmlformats.org/officeDocument/2006/customXml" ds:itemID="{C7C85330-655E-45E2-80B9-95CC1B74472F}">
-  <ds:schemaRefs>
-    <ds:schemaRef ds:uri="http://schemas.microsoft.com/sharepoint/v3/contenttype/forms"/>
-  </ds:schemaRefs>
-</ds:datastoreItem>
-</file>
-
 <file path=docMetadata/LabelInfo.xml><?xml version="1.0" encoding="utf-8"?>
 <clbl:labelList xmlns:clbl="http://schemas.microsoft.com/office/2020/mipLabelMetadata">
   <clbl:label id="{e51cdec9-811d-471d-bbe6-dd3d8d54c28b}" enabled="0" method="" siteId="{e51cdec9-811d-471d-bbe6-dd3d8d54c28b}" removed="1"/>

--- a/GroupProject4/Presentation.pptx
+++ b/GroupProject4/Presentation.pptx
@@ -2113,7 +2113,7 @@
 <dgm:dataModel xmlns:dgm="http://schemas.openxmlformats.org/drawingml/2006/diagram" xmlns:a="http://schemas.openxmlformats.org/drawingml/2006/main">
   <dgm:ptLst>
     <dgm:pt modelId="{55CB6A4C-6F7F-460C-B53C-D28C09BB184C}" type="doc">
-      <dgm:prSet loTypeId="urn:microsoft.com/office/officeart/2005/8/layout/hierarchy1" loCatId="hierarchy" qsTypeId="urn:microsoft.com/office/officeart/2005/8/quickstyle/simple1" qsCatId="simple" csTypeId="urn:microsoft.com/office/officeart/2005/8/colors/accent1_2" csCatId="accent1"/>
+      <dgm:prSet loTypeId="urn:microsoft.com/office/officeart/2005/8/layout/hierarchy1" loCatId="hierarchy" qsTypeId="urn:microsoft.com/office/officeart/2005/8/quickstyle/simple1" qsCatId="simple" csTypeId="urn:microsoft.com/office/officeart/2005/8/colors/accent1_2" csCatId="accent1" phldr="1"/>
       <dgm:spPr/>
       <dgm:t>
         <a:bodyPr/>
@@ -2131,8 +2131,8 @@
         <a:lstStyle/>
         <a:p>
           <a:r>
-            <a:rPr lang="en-US"/>
-            <a:t>Adding a search feature and filters for quicker employee access. </a:t>
+            <a:rPr lang="en-US" dirty="0"/>
+            <a:t>Crush the bugs plaguing the app.</a:t>
           </a:r>
         </a:p>
       </dgm:t>
@@ -2167,8 +2167,8 @@
         <a:lstStyle/>
         <a:p>
           <a:r>
-            <a:rPr lang="en-US"/>
-            <a:t>Strengthen the app's security with user authentication and access levels. </a:t>
+            <a:rPr lang="en-US" dirty="0"/>
+            <a:t>Make the UI more user friendly. </a:t>
           </a:r>
         </a:p>
       </dgm:t>
@@ -2203,8 +2203,8 @@
         <a:lstStyle/>
         <a:p>
           <a:r>
-            <a:rPr lang="en-US"/>
-            <a:t>ensure mobile responsiveness for easy access on various devices.</a:t>
+            <a:rPr lang="en-US" dirty="0"/>
+            <a:t>Get it connected to an online data storage system.</a:t>
           </a:r>
         </a:p>
       </dgm:t>
@@ -2924,12 +2924,12 @@
         <a:fontRef idx="minor"/>
       </dsp:style>
       <dsp:txBody>
-        <a:bodyPr spcFirstLastPara="0" vert="horz" wrap="square" lIns="91440" tIns="91440" rIns="91440" bIns="91440" numCol="1" spcCol="1270" anchor="ctr" anchorCtr="0">
+        <a:bodyPr spcFirstLastPara="0" vert="horz" wrap="square" lIns="110490" tIns="110490" rIns="110490" bIns="110490" numCol="1" spcCol="1270" anchor="ctr" anchorCtr="0">
           <a:noAutofit/>
         </a:bodyPr>
         <a:lstStyle/>
         <a:p>
-          <a:pPr marL="0" lvl="0" indent="0" algn="ctr" defTabSz="1066800">
+          <a:pPr marL="0" lvl="0" indent="0" algn="ctr" defTabSz="1289050">
             <a:lnSpc>
               <a:spcPct val="90000"/>
             </a:lnSpc>
@@ -2942,8 +2942,8 @@
             <a:buNone/>
           </a:pPr>
           <a:r>
-            <a:rPr lang="en-US" sz="2400" kern="1200"/>
-            <a:t>Adding a search feature and filters for quicker employee access. </a:t>
+            <a:rPr lang="en-US" sz="2900" kern="1200" dirty="0"/>
+            <a:t>Crush the bugs plaguing the app.</a:t>
           </a:r>
         </a:p>
       </dsp:txBody>
@@ -3053,12 +3053,12 @@
         <a:fontRef idx="minor"/>
       </dsp:style>
       <dsp:txBody>
-        <a:bodyPr spcFirstLastPara="0" vert="horz" wrap="square" lIns="91440" tIns="91440" rIns="91440" bIns="91440" numCol="1" spcCol="1270" anchor="ctr" anchorCtr="0">
+        <a:bodyPr spcFirstLastPara="0" vert="horz" wrap="square" lIns="110490" tIns="110490" rIns="110490" bIns="110490" numCol="1" spcCol="1270" anchor="ctr" anchorCtr="0">
           <a:noAutofit/>
         </a:bodyPr>
         <a:lstStyle/>
         <a:p>
-          <a:pPr marL="0" lvl="0" indent="0" algn="ctr" defTabSz="1066800">
+          <a:pPr marL="0" lvl="0" indent="0" algn="ctr" defTabSz="1289050">
             <a:lnSpc>
               <a:spcPct val="90000"/>
             </a:lnSpc>
@@ -3071,8 +3071,8 @@
             <a:buNone/>
           </a:pPr>
           <a:r>
-            <a:rPr lang="en-US" sz="2400" kern="1200"/>
-            <a:t>Strengthen the app's security with user authentication and access levels. </a:t>
+            <a:rPr lang="en-US" sz="2900" kern="1200" dirty="0"/>
+            <a:t>Make the UI more user friendly. </a:t>
           </a:r>
         </a:p>
       </dsp:txBody>
@@ -3182,12 +3182,12 @@
         <a:fontRef idx="minor"/>
       </dsp:style>
       <dsp:txBody>
-        <a:bodyPr spcFirstLastPara="0" vert="horz" wrap="square" lIns="91440" tIns="91440" rIns="91440" bIns="91440" numCol="1" spcCol="1270" anchor="ctr" anchorCtr="0">
+        <a:bodyPr spcFirstLastPara="0" vert="horz" wrap="square" lIns="110490" tIns="110490" rIns="110490" bIns="110490" numCol="1" spcCol="1270" anchor="ctr" anchorCtr="0">
           <a:noAutofit/>
         </a:bodyPr>
         <a:lstStyle/>
         <a:p>
-          <a:pPr marL="0" lvl="0" indent="0" algn="ctr" defTabSz="1066800">
+          <a:pPr marL="0" lvl="0" indent="0" algn="ctr" defTabSz="1289050">
             <a:lnSpc>
               <a:spcPct val="90000"/>
             </a:lnSpc>
@@ -3200,8 +3200,8 @@
             <a:buNone/>
           </a:pPr>
           <a:r>
-            <a:rPr lang="en-US" sz="2400" kern="1200"/>
-            <a:t>ensure mobile responsiveness for easy access on various devices.</a:t>
+            <a:rPr lang="en-US" sz="2900" kern="1200" dirty="0"/>
+            <a:t>Get it connected to an online data storage system.</a:t>
           </a:r>
         </a:p>
       </dsp:txBody>
@@ -14601,16 +14601,44 @@
           <a:lstStyle/>
           <a:p>
             <a:r>
-              <a:rPr lang="en-US" sz="2000" dirty="0">
+              <a:rPr lang="en-US" sz="2800" dirty="0">
                 <a:solidFill>
                   <a:srgbClr val="000000"/>
                 </a:solidFill>
                 <a:latin typeface="Times New Roman"/>
                 <a:cs typeface="Times New Roman"/>
               </a:rPr>
-              <a:t>Added new Features to the Employee Tracker app that was created for project 3</a:t>
+              <a:t>Project 3 was our employee tracker which is what we expended on.</a:t>
             </a:r>
-            <a:endParaRPr lang="en-US" sz="2000" dirty="0"/>
+          </a:p>
+          <a:p>
+            <a:r>
+              <a:rPr lang="en-US" sz="2800" dirty="0">
+                <a:solidFill>
+                  <a:srgbClr val="000000"/>
+                </a:solidFill>
+                <a:latin typeface="Times New Roman"/>
+                <a:cs typeface="Times New Roman"/>
+              </a:rPr>
+              <a:t>Made it an actual employee </a:t>
+            </a:r>
+            <a:r>
+              <a:rPr lang="en-US" sz="2800">
+                <a:solidFill>
+                  <a:srgbClr val="000000"/>
+                </a:solidFill>
+                <a:latin typeface="Times New Roman"/>
+                <a:cs typeface="Times New Roman"/>
+              </a:rPr>
+              <a:t>management app.</a:t>
+            </a:r>
+            <a:endParaRPr lang="en-US" sz="2800" dirty="0">
+              <a:solidFill>
+                <a:srgbClr val="000000"/>
+              </a:solidFill>
+              <a:latin typeface="Times New Roman"/>
+              <a:cs typeface="Times New Roman"/>
+            </a:endParaRPr>
           </a:p>
         </p:txBody>
       </p:sp>
@@ -15517,7 +15545,7 @@
             <p:ph idx="1"/>
             <p:extLst>
               <p:ext uri="{D42A27DB-BD31-4B8C-83A1-F6EECF244321}">
-                <p14:modId xmlns:p14="http://schemas.microsoft.com/office/powerpoint/2010/main" val="2808158556"/>
+                <p14:modId xmlns:p14="http://schemas.microsoft.com/office/powerpoint/2010/main" val="715112498"/>
               </p:ext>
             </p:extLst>
           </p:nvPr>
@@ -16175,20 +16203,20 @@
 </file>
 
 <file path=customXml/item2.xml><?xml version="1.0" encoding="utf-8"?>
+<p:properties xmlns:p="http://schemas.microsoft.com/office/2006/metadata/properties" xmlns:xsi="http://www.w3.org/2001/XMLSchema-instance" xmlns:pc="http://schemas.microsoft.com/office/infopath/2007/PartnerControls">
+  <documentManagement>
+    <_activity xmlns="5852d601-1a7c-44b2-a899-4fb2f89ff1ad" xsi:nil="true"/>
+  </documentManagement>
+</p:properties>
+</file>
+
+<file path=customXml/item3.xml><?xml version="1.0" encoding="utf-8"?>
 <?mso-contentType ?>
 <FormTemplates xmlns="http://schemas.microsoft.com/sharepoint/v3/contenttype/forms">
   <Display>DocumentLibraryForm</Display>
   <Edit>DocumentLibraryForm</Edit>
   <New>DocumentLibraryForm</New>
 </FormTemplates>
-</file>
-
-<file path=customXml/item3.xml><?xml version="1.0" encoding="utf-8"?>
-<p:properties xmlns:p="http://schemas.microsoft.com/office/2006/metadata/properties" xmlns:xsi="http://www.w3.org/2001/XMLSchema-instance" xmlns:pc="http://schemas.microsoft.com/office/infopath/2007/PartnerControls">
-  <documentManagement>
-    <_activity xmlns="5852d601-1a7c-44b2-a899-4fb2f89ff1ad" xsi:nil="true"/>
-  </documentManagement>
-</p:properties>
 </file>
 
 <file path=customXml/itemProps1.xml><?xml version="1.0" encoding="utf-8"?>
@@ -16210,14 +16238,6 @@
 </file>
 
 <file path=customXml/itemProps2.xml><?xml version="1.0" encoding="utf-8"?>
-<ds:datastoreItem xmlns:ds="http://schemas.openxmlformats.org/officeDocument/2006/customXml" ds:itemID="{C7C85330-655E-45E2-80B9-95CC1B74472F}">
-  <ds:schemaRefs>
-    <ds:schemaRef ds:uri="http://schemas.microsoft.com/sharepoint/v3/contenttype/forms"/>
-  </ds:schemaRefs>
-</ds:datastoreItem>
-</file>
-
-<file path=customXml/itemProps3.xml><?xml version="1.0" encoding="utf-8"?>
 <ds:datastoreItem xmlns:ds="http://schemas.openxmlformats.org/officeDocument/2006/customXml" ds:itemID="{F97547CF-3F15-4A3E-879E-A47EDADA6DCC}">
   <ds:schemaRefs>
     <ds:schemaRef ds:uri="5852d601-1a7c-44b2-a899-4fb2f89ff1ad"/>
@@ -16233,6 +16253,14 @@
 </ds:datastoreItem>
 </file>
 
+<file path=customXml/itemProps3.xml><?xml version="1.0" encoding="utf-8"?>
+<ds:datastoreItem xmlns:ds="http://schemas.openxmlformats.org/officeDocument/2006/customXml" ds:itemID="{C7C85330-655E-45E2-80B9-95CC1B74472F}">
+  <ds:schemaRefs>
+    <ds:schemaRef ds:uri="http://schemas.microsoft.com/sharepoint/v3/contenttype/forms"/>
+  </ds:schemaRefs>
+</ds:datastoreItem>
+</file>
+
 <file path=docMetadata/LabelInfo.xml><?xml version="1.0" encoding="utf-8"?>
 <clbl:labelList xmlns:clbl="http://schemas.microsoft.com/office/2020/mipLabelMetadata">
   <clbl:label id="{e51cdec9-811d-471d-bbe6-dd3d8d54c28b}" enabled="0" method="" siteId="{e51cdec9-811d-471d-bbe6-dd3d8d54c28b}" removed="1"/>

--- a/GroupProject4/Presentation.pptx
+++ b/GroupProject4/Presentation.pptx
@@ -16059,6 +16059,15 @@
 </file>
 
 <file path=customXml/item1.xml><?xml version="1.0" encoding="utf-8"?>
+<?mso-contentType ?>
+<FormTemplates xmlns="http://schemas.microsoft.com/sharepoint/v3/contenttype/forms">
+  <Display>DocumentLibraryForm</Display>
+  <Edit>DocumentLibraryForm</Edit>
+  <New>DocumentLibraryForm</New>
+</FormTemplates>
+</file>
+
+<file path=customXml/item2.xml><?xml version="1.0" encoding="utf-8"?>
 <ct:contentTypeSchema xmlns:ct="http://schemas.microsoft.com/office/2006/metadata/contentType" xmlns:ma="http://schemas.microsoft.com/office/2006/metadata/properties/metaAttributes" ct:_="" ma:_="" ma:contentTypeName="Document" ma:contentTypeID="0x010100053D87CC3BBB4A429D35577CEEAE909A" ma:contentTypeVersion="4" ma:contentTypeDescription="Create a new document." ma:contentTypeScope="" ma:versionID="265ec985d5d113ba64c6d80828d2c901">
   <xsd:schema xmlns:xsd="http://www.w3.org/2001/XMLSchema" xmlns:xs="http://www.w3.org/2001/XMLSchema" xmlns:p="http://schemas.microsoft.com/office/2006/metadata/properties" xmlns:ns3="5852d601-1a7c-44b2-a899-4fb2f89ff1ad" targetNamespace="http://schemas.microsoft.com/office/2006/metadata/properties" ma:root="true" ma:fieldsID="86a6a956787d052edd41b0944eaaa3c1" ns3:_="">
     <xsd:import namespace="5852d601-1a7c-44b2-a899-4fb2f89ff1ad"/>
@@ -16202,7 +16211,7 @@
 </ct:contentTypeSchema>
 </file>
 
-<file path=customXml/item2.xml><?xml version="1.0" encoding="utf-8"?>
+<file path=customXml/item3.xml><?xml version="1.0" encoding="utf-8"?>
 <p:properties xmlns:p="http://schemas.microsoft.com/office/2006/metadata/properties" xmlns:xsi="http://www.w3.org/2001/XMLSchema-instance" xmlns:pc="http://schemas.microsoft.com/office/infopath/2007/PartnerControls">
   <documentManagement>
     <_activity xmlns="5852d601-1a7c-44b2-a899-4fb2f89ff1ad" xsi:nil="true"/>
@@ -16210,16 +16219,15 @@
 </p:properties>
 </file>
 
-<file path=customXml/item3.xml><?xml version="1.0" encoding="utf-8"?>
-<?mso-contentType ?>
-<FormTemplates xmlns="http://schemas.microsoft.com/sharepoint/v3/contenttype/forms">
-  <Display>DocumentLibraryForm</Display>
-  <Edit>DocumentLibraryForm</Edit>
-  <New>DocumentLibraryForm</New>
-</FormTemplates>
+<file path=customXml/itemProps1.xml><?xml version="1.0" encoding="utf-8"?>
+<ds:datastoreItem xmlns:ds="http://schemas.openxmlformats.org/officeDocument/2006/customXml" ds:itemID="{C7C85330-655E-45E2-80B9-95CC1B74472F}">
+  <ds:schemaRefs>
+    <ds:schemaRef ds:uri="http://schemas.microsoft.com/sharepoint/v3/contenttype/forms"/>
+  </ds:schemaRefs>
+</ds:datastoreItem>
 </file>
 
-<file path=customXml/itemProps1.xml><?xml version="1.0" encoding="utf-8"?>
+<file path=customXml/itemProps2.xml><?xml version="1.0" encoding="utf-8"?>
 <ds:datastoreItem xmlns:ds="http://schemas.openxmlformats.org/officeDocument/2006/customXml" ds:itemID="{9DF098B9-3A57-4F5F-AC0D-A0CA4EF5F30B}">
   <ds:schemaRefs>
     <ds:schemaRef ds:uri="5852d601-1a7c-44b2-a899-4fb2f89ff1ad"/>
@@ -16237,26 +16245,18 @@
 </ds:datastoreItem>
 </file>
 
-<file path=customXml/itemProps2.xml><?xml version="1.0" encoding="utf-8"?>
+<file path=customXml/itemProps3.xml><?xml version="1.0" encoding="utf-8"?>
 <ds:datastoreItem xmlns:ds="http://schemas.openxmlformats.org/officeDocument/2006/customXml" ds:itemID="{F97547CF-3F15-4A3E-879E-A47EDADA6DCC}">
   <ds:schemaRefs>
-    <ds:schemaRef ds:uri="5852d601-1a7c-44b2-a899-4fb2f89ff1ad"/>
+    <ds:schemaRef ds:uri="http://schemas.microsoft.com/office/infopath/2007/PartnerControls"/>
     <ds:schemaRef ds:uri="http://purl.org/dc/dcmitype/"/>
-    <ds:schemaRef ds:uri="http://purl.org/dc/elements/1.1/"/>
     <ds:schemaRef ds:uri="http://purl.org/dc/terms/"/>
     <ds:schemaRef ds:uri="http://schemas.microsoft.com/office/2006/documentManagement/types"/>
     <ds:schemaRef ds:uri="http://schemas.microsoft.com/office/2006/metadata/properties"/>
-    <ds:schemaRef ds:uri="http://schemas.microsoft.com/office/infopath/2007/PartnerControls"/>
     <ds:schemaRef ds:uri="http://schemas.openxmlformats.org/package/2006/metadata/core-properties"/>
+    <ds:schemaRef ds:uri="5852d601-1a7c-44b2-a899-4fb2f89ff1ad"/>
     <ds:schemaRef ds:uri="http://www.w3.org/XML/1998/namespace"/>
-  </ds:schemaRefs>
-</ds:datastoreItem>
-</file>
-
-<file path=customXml/itemProps3.xml><?xml version="1.0" encoding="utf-8"?>
-<ds:datastoreItem xmlns:ds="http://schemas.openxmlformats.org/officeDocument/2006/customXml" ds:itemID="{C7C85330-655E-45E2-80B9-95CC1B74472F}">
-  <ds:schemaRefs>
-    <ds:schemaRef ds:uri="http://schemas.microsoft.com/sharepoint/v3/contenttype/forms"/>
+    <ds:schemaRef ds:uri="http://purl.org/dc/elements/1.1/"/>
   </ds:schemaRefs>
 </ds:datastoreItem>
 </file>
